--- a/docs/AlphaServer.pptx
+++ b/docs/AlphaServer.pptx
@@ -217,7 +217,7 @@
           <a:p>
             <a:fld id="{D08E676B-99DA-468B-8125-9996CB3B81D8}" type="datetimeFigureOut">
               <a:rPr lang="de-DE" smtClean="0"/>
-              <a:t>30.09.2016</a:t>
+              <a:t>30.01.2022</a:t>
             </a:fld>
             <a:endParaRPr lang="de-DE"/>
           </a:p>
@@ -856,6 +856,9 @@
           <a:prstGeom prst="rect">
             <a:avLst/>
           </a:prstGeom>
+          <a:solidFill>
+            <a:srgbClr val="0077BB"/>
+          </a:solidFill>
           <a:ln>
             <a:noFill/>
           </a:ln>
@@ -989,7 +992,13 @@
       </p:sp>
       <p:sp>
         <p:nvSpPr>
-          <p:cNvPr id="4" name="Date Placeholder 3"/>
+          <p:cNvPr id="8" name="Datumsplatzhalter 7">
+            <a:extLst>
+              <a:ext uri="{FF2B5EF4-FFF2-40B4-BE49-F238E27FC236}">
+                <a16:creationId xmlns:a16="http://schemas.microsoft.com/office/drawing/2014/main" id="{778A0764-80CD-4241-A9B8-F358E52ABDEE}"/>
+              </a:ext>
+            </a:extLst>
+          </p:cNvPr>
           <p:cNvSpPr>
             <a:spLocks noGrp="1"/>
           </p:cNvSpPr>
@@ -1002,9 +1011,9 @@
           <a:bodyPr/>
           <a:lstStyle/>
           <a:p>
-            <a:fld id="{9036B431-E1E9-456A-87C5-293FECF738FA}" type="datetime1">
+            <a:fld id="{EA470E07-FC19-4D7E-9DDD-93385FB6B6BB}" type="datetime1">
               <a:rPr lang="de-DE" smtClean="0"/>
-              <a:t>30.09.2016</a:t>
+              <a:t>30.01.2022</a:t>
             </a:fld>
             <a:endParaRPr lang="de-DE"/>
           </a:p>
@@ -1012,7 +1021,13 @@
       </p:sp>
       <p:sp>
         <p:nvSpPr>
-          <p:cNvPr id="5" name="Footer Placeholder 4"/>
+          <p:cNvPr id="9" name="Fußzeilenplatzhalter 8">
+            <a:extLst>
+              <a:ext uri="{FF2B5EF4-FFF2-40B4-BE49-F238E27FC236}">
+                <a16:creationId xmlns:a16="http://schemas.microsoft.com/office/drawing/2014/main" id="{3ACAC7AA-E5AB-4F16-8A46-D32F741481EA}"/>
+              </a:ext>
+            </a:extLst>
+          </p:cNvPr>
           <p:cNvSpPr>
             <a:spLocks noGrp="1"/>
           </p:cNvSpPr>
@@ -1027,14 +1042,21 @@
           <a:p>
             <a:r>
               <a:rPr lang="de-DE"/>
-              <a:t>JAuswertung - http://www.dennismueller.de</a:t>
-            </a:r>
-          </a:p>
-        </p:txBody>
-      </p:sp>
-      <p:sp>
-        <p:nvSpPr>
-          <p:cNvPr id="6" name="Slide Number Placeholder 5"/>
+              <a:t>JAuswertung - https://www.dennisfabri.de</a:t>
+            </a:r>
+            <a:endParaRPr lang="de-DE" dirty="0"/>
+          </a:p>
+        </p:txBody>
+      </p:sp>
+      <p:sp>
+        <p:nvSpPr>
+          <p:cNvPr id="10" name="Foliennummernplatzhalter 9">
+            <a:extLst>
+              <a:ext uri="{FF2B5EF4-FFF2-40B4-BE49-F238E27FC236}">
+                <a16:creationId xmlns:a16="http://schemas.microsoft.com/office/drawing/2014/main" id="{0EA73233-7653-4713-8D5B-C0E8A3C08170}"/>
+              </a:ext>
+            </a:extLst>
+          </p:cNvPr>
           <p:cNvSpPr>
             <a:spLocks noGrp="1"/>
           </p:cNvSpPr>
@@ -1059,362 +1081,6 @@
     <p:extLst>
       <p:ext uri="{BB962C8B-B14F-4D97-AF65-F5344CB8AC3E}">
         <p14:creationId xmlns:p14="http://schemas.microsoft.com/office/powerpoint/2010/main" val="3143245930"/>
-      </p:ext>
-    </p:extLst>
-  </p:cSld>
-  <p:clrMapOvr>
-    <a:masterClrMapping/>
-  </p:clrMapOvr>
-</p:sldLayout>
-</file>
-
-<file path=ppt/slideLayouts/slideLayout10.xml><?xml version="1.0" encoding="utf-8"?>
-<p:sldLayout xmlns:a="http://schemas.openxmlformats.org/drawingml/2006/main" xmlns:r="http://schemas.openxmlformats.org/officeDocument/2006/relationships" xmlns:p="http://schemas.openxmlformats.org/presentationml/2006/main" type="vertTx" preserve="1">
-  <p:cSld name="Titel und vertikaler Text">
-    <p:spTree>
-      <p:nvGrpSpPr>
-        <p:cNvPr id="1" name=""/>
-        <p:cNvGrpSpPr/>
-        <p:nvPr/>
-      </p:nvGrpSpPr>
-      <p:grpSpPr>
-        <a:xfrm>
-          <a:off x="0" y="0"/>
-          <a:ext cx="0" cy="0"/>
-          <a:chOff x="0" y="0"/>
-          <a:chExt cx="0" cy="0"/>
-        </a:xfrm>
-      </p:grpSpPr>
-      <p:sp>
-        <p:nvSpPr>
-          <p:cNvPr id="2" name="Title 1"/>
-          <p:cNvSpPr>
-            <a:spLocks noGrp="1"/>
-          </p:cNvSpPr>
-          <p:nvPr>
-            <p:ph type="title"/>
-          </p:nvPr>
-        </p:nvSpPr>
-        <p:spPr/>
-        <p:txBody>
-          <a:bodyPr/>
-          <a:lstStyle/>
-          <a:p>
-            <a:r>
-              <a:rPr lang="de-DE"/>
-              <a:t>Titelmasterformat durch Klicken bearbeiten</a:t>
-            </a:r>
-            <a:endParaRPr lang="en-US" dirty="0"/>
-          </a:p>
-        </p:txBody>
-      </p:sp>
-      <p:sp>
-        <p:nvSpPr>
-          <p:cNvPr id="3" name="Vertical Text Placeholder 2"/>
-          <p:cNvSpPr>
-            <a:spLocks noGrp="1"/>
-          </p:cNvSpPr>
-          <p:nvPr>
-            <p:ph type="body" orient="vert" idx="1"/>
-          </p:nvPr>
-        </p:nvSpPr>
-        <p:spPr/>
-        <p:txBody>
-          <a:bodyPr vert="eaVert"/>
-          <a:lstStyle/>
-          <a:p>
-            <a:pPr lvl="0"/>
-            <a:r>
-              <a:rPr lang="de-DE"/>
-              <a:t>Textmasterformat bearbeiten</a:t>
-            </a:r>
-          </a:p>
-          <a:p>
-            <a:pPr lvl="1"/>
-            <a:r>
-              <a:rPr lang="de-DE"/>
-              <a:t>Zweite Ebene</a:t>
-            </a:r>
-          </a:p>
-          <a:p>
-            <a:pPr lvl="2"/>
-            <a:r>
-              <a:rPr lang="de-DE"/>
-              <a:t>Dritte Ebene</a:t>
-            </a:r>
-          </a:p>
-          <a:p>
-            <a:pPr lvl="3"/>
-            <a:r>
-              <a:rPr lang="de-DE"/>
-              <a:t>Vierte Ebene</a:t>
-            </a:r>
-          </a:p>
-          <a:p>
-            <a:pPr lvl="4"/>
-            <a:r>
-              <a:rPr lang="de-DE"/>
-              <a:t>Fünfte Ebene</a:t>
-            </a:r>
-            <a:endParaRPr lang="en-US" dirty="0"/>
-          </a:p>
-        </p:txBody>
-      </p:sp>
-      <p:sp>
-        <p:nvSpPr>
-          <p:cNvPr id="4" name="Date Placeholder 3"/>
-          <p:cNvSpPr>
-            <a:spLocks noGrp="1"/>
-          </p:cNvSpPr>
-          <p:nvPr>
-            <p:ph type="dt" sz="half" idx="10"/>
-          </p:nvPr>
-        </p:nvSpPr>
-        <p:spPr/>
-        <p:txBody>
-          <a:bodyPr/>
-          <a:lstStyle/>
-          <a:p>
-            <a:fld id="{0B5A41DA-956E-42C5-8487-DC4A37BA1294}" type="datetime1">
-              <a:rPr lang="de-DE" smtClean="0"/>
-              <a:t>30.09.2016</a:t>
-            </a:fld>
-            <a:endParaRPr lang="de-DE"/>
-          </a:p>
-        </p:txBody>
-      </p:sp>
-      <p:sp>
-        <p:nvSpPr>
-          <p:cNvPr id="5" name="Footer Placeholder 4"/>
-          <p:cNvSpPr>
-            <a:spLocks noGrp="1"/>
-          </p:cNvSpPr>
-          <p:nvPr>
-            <p:ph type="ftr" sz="quarter" idx="11"/>
-          </p:nvPr>
-        </p:nvSpPr>
-        <p:spPr/>
-        <p:txBody>
-          <a:bodyPr/>
-          <a:lstStyle/>
-          <a:p>
-            <a:r>
-              <a:rPr lang="de-DE"/>
-              <a:t>JAuswertung - http://www.dennismueller.de</a:t>
-            </a:r>
-          </a:p>
-        </p:txBody>
-      </p:sp>
-      <p:sp>
-        <p:nvSpPr>
-          <p:cNvPr id="6" name="Slide Number Placeholder 5"/>
-          <p:cNvSpPr>
-            <a:spLocks noGrp="1"/>
-          </p:cNvSpPr>
-          <p:nvPr>
-            <p:ph type="sldNum" sz="quarter" idx="12"/>
-          </p:nvPr>
-        </p:nvSpPr>
-        <p:spPr/>
-        <p:txBody>
-          <a:bodyPr/>
-          <a:lstStyle/>
-          <a:p>
-            <a:fld id="{EEE0876F-90B3-4061-BC12-CB6B51B39D72}" type="slidenum">
-              <a:rPr lang="de-DE" smtClean="0"/>
-              <a:t>‹Nr.›</a:t>
-            </a:fld>
-            <a:endParaRPr lang="de-DE"/>
-          </a:p>
-        </p:txBody>
-      </p:sp>
-    </p:spTree>
-    <p:extLst>
-      <p:ext uri="{BB962C8B-B14F-4D97-AF65-F5344CB8AC3E}">
-        <p14:creationId xmlns:p14="http://schemas.microsoft.com/office/powerpoint/2010/main" val="2095626128"/>
-      </p:ext>
-    </p:extLst>
-  </p:cSld>
-  <p:clrMapOvr>
-    <a:masterClrMapping/>
-  </p:clrMapOvr>
-</p:sldLayout>
-</file>
-
-<file path=ppt/slideLayouts/slideLayout11.xml><?xml version="1.0" encoding="utf-8"?>
-<p:sldLayout xmlns:a="http://schemas.openxmlformats.org/drawingml/2006/main" xmlns:r="http://schemas.openxmlformats.org/officeDocument/2006/relationships" xmlns:p="http://schemas.openxmlformats.org/presentationml/2006/main" type="vertTitleAndTx" preserve="1">
-  <p:cSld name="Vertikaler Titel und Text">
-    <p:spTree>
-      <p:nvGrpSpPr>
-        <p:cNvPr id="1" name=""/>
-        <p:cNvGrpSpPr/>
-        <p:nvPr/>
-      </p:nvGrpSpPr>
-      <p:grpSpPr>
-        <a:xfrm>
-          <a:off x="0" y="0"/>
-          <a:ext cx="0" cy="0"/>
-          <a:chOff x="0" y="0"/>
-          <a:chExt cx="0" cy="0"/>
-        </a:xfrm>
-      </p:grpSpPr>
-      <p:sp>
-        <p:nvSpPr>
-          <p:cNvPr id="2" name="Vertical Title 1"/>
-          <p:cNvSpPr>
-            <a:spLocks noGrp="1"/>
-          </p:cNvSpPr>
-          <p:nvPr>
-            <p:ph type="title" orient="vert"/>
-          </p:nvPr>
-        </p:nvSpPr>
-        <p:spPr>
-          <a:xfrm>
-            <a:off x="7088982" y="365125"/>
-            <a:ext cx="2135981" cy="5811838"/>
-          </a:xfrm>
-        </p:spPr>
-        <p:txBody>
-          <a:bodyPr vert="eaVert"/>
-          <a:lstStyle/>
-          <a:p>
-            <a:r>
-              <a:rPr lang="de-DE"/>
-              <a:t>Titelmasterformat durch Klicken bearbeiten</a:t>
-            </a:r>
-            <a:endParaRPr lang="en-US" dirty="0"/>
-          </a:p>
-        </p:txBody>
-      </p:sp>
-      <p:sp>
-        <p:nvSpPr>
-          <p:cNvPr id="3" name="Vertical Text Placeholder 2"/>
-          <p:cNvSpPr>
-            <a:spLocks noGrp="1"/>
-          </p:cNvSpPr>
-          <p:nvPr>
-            <p:ph type="body" orient="vert" idx="1"/>
-          </p:nvPr>
-        </p:nvSpPr>
-        <p:spPr>
-          <a:xfrm>
-            <a:off x="681038" y="365125"/>
-            <a:ext cx="6284119" cy="5811838"/>
-          </a:xfrm>
-        </p:spPr>
-        <p:txBody>
-          <a:bodyPr vert="eaVert"/>
-          <a:lstStyle/>
-          <a:p>
-            <a:pPr lvl="0"/>
-            <a:r>
-              <a:rPr lang="de-DE"/>
-              <a:t>Textmasterformat bearbeiten</a:t>
-            </a:r>
-          </a:p>
-          <a:p>
-            <a:pPr lvl="1"/>
-            <a:r>
-              <a:rPr lang="de-DE"/>
-              <a:t>Zweite Ebene</a:t>
-            </a:r>
-          </a:p>
-          <a:p>
-            <a:pPr lvl="2"/>
-            <a:r>
-              <a:rPr lang="de-DE"/>
-              <a:t>Dritte Ebene</a:t>
-            </a:r>
-          </a:p>
-          <a:p>
-            <a:pPr lvl="3"/>
-            <a:r>
-              <a:rPr lang="de-DE"/>
-              <a:t>Vierte Ebene</a:t>
-            </a:r>
-          </a:p>
-          <a:p>
-            <a:pPr lvl="4"/>
-            <a:r>
-              <a:rPr lang="de-DE"/>
-              <a:t>Fünfte Ebene</a:t>
-            </a:r>
-            <a:endParaRPr lang="en-US" dirty="0"/>
-          </a:p>
-        </p:txBody>
-      </p:sp>
-      <p:sp>
-        <p:nvSpPr>
-          <p:cNvPr id="4" name="Date Placeholder 3"/>
-          <p:cNvSpPr>
-            <a:spLocks noGrp="1"/>
-          </p:cNvSpPr>
-          <p:nvPr>
-            <p:ph type="dt" sz="half" idx="10"/>
-          </p:nvPr>
-        </p:nvSpPr>
-        <p:spPr/>
-        <p:txBody>
-          <a:bodyPr/>
-          <a:lstStyle/>
-          <a:p>
-            <a:fld id="{43BF3263-3007-4657-9C8C-B611F163B4E6}" type="datetime1">
-              <a:rPr lang="de-DE" smtClean="0"/>
-              <a:t>30.09.2016</a:t>
-            </a:fld>
-            <a:endParaRPr lang="de-DE"/>
-          </a:p>
-        </p:txBody>
-      </p:sp>
-      <p:sp>
-        <p:nvSpPr>
-          <p:cNvPr id="5" name="Footer Placeholder 4"/>
-          <p:cNvSpPr>
-            <a:spLocks noGrp="1"/>
-          </p:cNvSpPr>
-          <p:nvPr>
-            <p:ph type="ftr" sz="quarter" idx="11"/>
-          </p:nvPr>
-        </p:nvSpPr>
-        <p:spPr/>
-        <p:txBody>
-          <a:bodyPr/>
-          <a:lstStyle/>
-          <a:p>
-            <a:r>
-              <a:rPr lang="de-DE"/>
-              <a:t>JAuswertung - http://www.dennismueller.de</a:t>
-            </a:r>
-          </a:p>
-        </p:txBody>
-      </p:sp>
-      <p:sp>
-        <p:nvSpPr>
-          <p:cNvPr id="6" name="Slide Number Placeholder 5"/>
-          <p:cNvSpPr>
-            <a:spLocks noGrp="1"/>
-          </p:cNvSpPr>
-          <p:nvPr>
-            <p:ph type="sldNum" sz="quarter" idx="12"/>
-          </p:nvPr>
-        </p:nvSpPr>
-        <p:spPr/>
-        <p:txBody>
-          <a:bodyPr/>
-          <a:lstStyle/>
-          <a:p>
-            <a:fld id="{EEE0876F-90B3-4061-BC12-CB6B51B39D72}" type="slidenum">
-              <a:rPr lang="de-DE" smtClean="0"/>
-              <a:t>‹Nr.›</a:t>
-            </a:fld>
-            <a:endParaRPr lang="de-DE"/>
-          </a:p>
-        </p:txBody>
-      </p:sp>
-    </p:spTree>
-    <p:extLst>
-      <p:ext uri="{BB962C8B-B14F-4D97-AF65-F5344CB8AC3E}">
-        <p14:creationId xmlns:p14="http://schemas.microsoft.com/office/powerpoint/2010/main" val="1806214146"/>
       </p:ext>
     </p:extLst>
   </p:cSld>
@@ -1533,7 +1199,7 @@
           <a:p>
             <a:fld id="{230DC7EB-7057-4F5C-BF16-AFF5C27AC41D}" type="datetime1">
               <a:rPr lang="de-DE" smtClean="0"/>
-              <a:t>30.09.2016</a:t>
+              <a:t>30.01.2022</a:t>
             </a:fld>
             <a:endParaRPr lang="de-DE" dirty="0"/>
           </a:p>
@@ -1555,10 +1221,9 @@
           <a:lstStyle/>
           <a:p>
             <a:r>
-              <a:rPr lang="de-DE"/>
-              <a:t>JAuswertung - http://www.dennismueller.de</a:t>
-            </a:r>
-            <a:endParaRPr lang="de-DE" dirty="0"/>
+              <a:rPr lang="de-DE" dirty="0"/>
+              <a:t>JAuswertung - https://www.dennisfabri.de</a:t>
+            </a:r>
           </a:p>
         </p:txBody>
       </p:sp>
@@ -1781,7 +1446,7 @@
           <a:p>
             <a:fld id="{C087F9BA-B2E6-4D2F-88A8-6341B5303EBC}" type="datetime1">
               <a:rPr lang="de-DE" smtClean="0"/>
-              <a:t>30.09.2016</a:t>
+              <a:t>30.01.2022</a:t>
             </a:fld>
             <a:endParaRPr lang="de-DE"/>
           </a:p>
@@ -1803,8 +1468,8 @@
           <a:lstStyle/>
           <a:p>
             <a:r>
-              <a:rPr lang="de-DE"/>
-              <a:t>JAuswertung - http://www.dennismueller.de</a:t>
+              <a:rPr lang="de-DE" dirty="0"/>
+              <a:t>JAuswertung - https://www.dennisfabri.de</a:t>
             </a:r>
           </a:p>
         </p:txBody>
@@ -2016,7 +1681,7 @@
           <a:p>
             <a:fld id="{1F4AB27D-DC1B-4EE5-BA54-2F305CBBC1DA}" type="datetime1">
               <a:rPr lang="de-DE" smtClean="0"/>
-              <a:t>30.09.2016</a:t>
+              <a:t>30.01.2022</a:t>
             </a:fld>
             <a:endParaRPr lang="de-DE"/>
           </a:p>
@@ -2038,8 +1703,8 @@
           <a:lstStyle/>
           <a:p>
             <a:r>
-              <a:rPr lang="de-DE"/>
-              <a:t>JAuswertung - http://www.dennismueller.de</a:t>
+              <a:rPr lang="de-DE" dirty="0"/>
+              <a:t>JAuswertung - https://www.dennisfabri.de</a:t>
             </a:r>
           </a:p>
         </p:txBody>
@@ -2386,7 +2051,7 @@
           <a:p>
             <a:fld id="{4B36EA42-7C47-4A92-9500-C3394D0C8BD8}" type="datetime1">
               <a:rPr lang="de-DE" smtClean="0"/>
-              <a:t>30.09.2016</a:t>
+              <a:t>30.01.2022</a:t>
             </a:fld>
             <a:endParaRPr lang="de-DE"/>
           </a:p>
@@ -2408,8 +2073,8 @@
           <a:lstStyle/>
           <a:p>
             <a:r>
-              <a:rPr lang="de-DE"/>
-              <a:t>JAuswertung - http://www.dennismueller.de</a:t>
+              <a:rPr lang="de-DE" dirty="0"/>
+              <a:t>JAuswertung - https://www.dennisfabri.de</a:t>
             </a:r>
           </a:p>
         </p:txBody>
@@ -2507,7 +2172,7 @@
           <a:p>
             <a:fld id="{6CFDA919-A8A6-465C-AD99-36B97B3DC307}" type="datetime1">
               <a:rPr lang="de-DE" smtClean="0"/>
-              <a:t>30.09.2016</a:t>
+              <a:t>30.01.2022</a:t>
             </a:fld>
             <a:endParaRPr lang="de-DE"/>
           </a:p>
@@ -2529,8 +2194,8 @@
           <a:lstStyle/>
           <a:p>
             <a:r>
-              <a:rPr lang="de-DE"/>
-              <a:t>JAuswertung - http://www.dennismueller.de</a:t>
+              <a:rPr lang="de-DE" dirty="0"/>
+              <a:t>JAuswertung - https://www.dennisfabri.de</a:t>
             </a:r>
           </a:p>
         </p:txBody>
@@ -2605,7 +2270,7 @@
           <a:p>
             <a:fld id="{6AC90FAD-FECD-4799-AA75-D074EF9AE945}" type="datetime1">
               <a:rPr lang="de-DE" smtClean="0"/>
-              <a:t>30.09.2016</a:t>
+              <a:t>30.01.2022</a:t>
             </a:fld>
             <a:endParaRPr lang="de-DE"/>
           </a:p>
@@ -2627,8 +2292,8 @@
           <a:lstStyle/>
           <a:p>
             <a:r>
-              <a:rPr lang="de-DE"/>
-              <a:t>JAuswertung - http://www.dennismueller.de</a:t>
+              <a:rPr lang="de-DE" dirty="0"/>
+              <a:t>JAuswertung - https://www.dennisfabri.de</a:t>
             </a:r>
           </a:p>
         </p:txBody>
@@ -2660,546 +2325,6 @@
     <p:extLst>
       <p:ext uri="{BB962C8B-B14F-4D97-AF65-F5344CB8AC3E}">
         <p14:creationId xmlns:p14="http://schemas.microsoft.com/office/powerpoint/2010/main" val="1140960964"/>
-      </p:ext>
-    </p:extLst>
-  </p:cSld>
-  <p:clrMapOvr>
-    <a:masterClrMapping/>
-  </p:clrMapOvr>
-</p:sldLayout>
-</file>
-
-<file path=ppt/slideLayouts/slideLayout8.xml><?xml version="1.0" encoding="utf-8"?>
-<p:sldLayout xmlns:a="http://schemas.openxmlformats.org/drawingml/2006/main" xmlns:r="http://schemas.openxmlformats.org/officeDocument/2006/relationships" xmlns:p="http://schemas.openxmlformats.org/presentationml/2006/main" type="objTx" preserve="1">
-  <p:cSld name="Inhalt mit Überschrift">
-    <p:spTree>
-      <p:nvGrpSpPr>
-        <p:cNvPr id="1" name=""/>
-        <p:cNvGrpSpPr/>
-        <p:nvPr/>
-      </p:nvGrpSpPr>
-      <p:grpSpPr>
-        <a:xfrm>
-          <a:off x="0" y="0"/>
-          <a:ext cx="0" cy="0"/>
-          <a:chOff x="0" y="0"/>
-          <a:chExt cx="0" cy="0"/>
-        </a:xfrm>
-      </p:grpSpPr>
-      <p:sp>
-        <p:nvSpPr>
-          <p:cNvPr id="2" name="Title 1"/>
-          <p:cNvSpPr>
-            <a:spLocks noGrp="1"/>
-          </p:cNvSpPr>
-          <p:nvPr>
-            <p:ph type="title"/>
-          </p:nvPr>
-        </p:nvSpPr>
-        <p:spPr>
-          <a:xfrm>
-            <a:off x="682328" y="457200"/>
-            <a:ext cx="3194943" cy="1600200"/>
-          </a:xfrm>
-        </p:spPr>
-        <p:txBody>
-          <a:bodyPr anchor="b"/>
-          <a:lstStyle>
-            <a:lvl1pPr>
-              <a:defRPr sz="3200"/>
-            </a:lvl1pPr>
-          </a:lstStyle>
-          <a:p>
-            <a:r>
-              <a:rPr lang="de-DE"/>
-              <a:t>Titelmasterformat durch Klicken bearbeiten</a:t>
-            </a:r>
-            <a:endParaRPr lang="en-US" dirty="0"/>
-          </a:p>
-        </p:txBody>
-      </p:sp>
-      <p:sp>
-        <p:nvSpPr>
-          <p:cNvPr id="3" name="Content Placeholder 2"/>
-          <p:cNvSpPr>
-            <a:spLocks noGrp="1"/>
-          </p:cNvSpPr>
-          <p:nvPr>
-            <p:ph idx="1"/>
-          </p:nvPr>
-        </p:nvSpPr>
-        <p:spPr>
-          <a:xfrm>
-            <a:off x="4211340" y="987427"/>
-            <a:ext cx="5014913" cy="4873625"/>
-          </a:xfrm>
-        </p:spPr>
-        <p:txBody>
-          <a:bodyPr/>
-          <a:lstStyle>
-            <a:lvl1pPr>
-              <a:defRPr sz="3200"/>
-            </a:lvl1pPr>
-            <a:lvl2pPr>
-              <a:defRPr sz="2800"/>
-            </a:lvl2pPr>
-            <a:lvl3pPr>
-              <a:defRPr sz="2400"/>
-            </a:lvl3pPr>
-            <a:lvl4pPr>
-              <a:defRPr sz="2000"/>
-            </a:lvl4pPr>
-            <a:lvl5pPr>
-              <a:defRPr sz="2000"/>
-            </a:lvl5pPr>
-            <a:lvl6pPr>
-              <a:defRPr sz="2000"/>
-            </a:lvl6pPr>
-            <a:lvl7pPr>
-              <a:defRPr sz="2000"/>
-            </a:lvl7pPr>
-            <a:lvl8pPr>
-              <a:defRPr sz="2000"/>
-            </a:lvl8pPr>
-            <a:lvl9pPr>
-              <a:defRPr sz="2000"/>
-            </a:lvl9pPr>
-          </a:lstStyle>
-          <a:p>
-            <a:pPr lvl="0"/>
-            <a:r>
-              <a:rPr lang="de-DE"/>
-              <a:t>Textmasterformat bearbeiten</a:t>
-            </a:r>
-          </a:p>
-          <a:p>
-            <a:pPr lvl="1"/>
-            <a:r>
-              <a:rPr lang="de-DE"/>
-              <a:t>Zweite Ebene</a:t>
-            </a:r>
-          </a:p>
-          <a:p>
-            <a:pPr lvl="2"/>
-            <a:r>
-              <a:rPr lang="de-DE"/>
-              <a:t>Dritte Ebene</a:t>
-            </a:r>
-          </a:p>
-          <a:p>
-            <a:pPr lvl="3"/>
-            <a:r>
-              <a:rPr lang="de-DE"/>
-              <a:t>Vierte Ebene</a:t>
-            </a:r>
-          </a:p>
-          <a:p>
-            <a:pPr lvl="4"/>
-            <a:r>
-              <a:rPr lang="de-DE"/>
-              <a:t>Fünfte Ebene</a:t>
-            </a:r>
-            <a:endParaRPr lang="en-US" dirty="0"/>
-          </a:p>
-        </p:txBody>
-      </p:sp>
-      <p:sp>
-        <p:nvSpPr>
-          <p:cNvPr id="4" name="Text Placeholder 3"/>
-          <p:cNvSpPr>
-            <a:spLocks noGrp="1"/>
-          </p:cNvSpPr>
-          <p:nvPr>
-            <p:ph type="body" sz="half" idx="2"/>
-          </p:nvPr>
-        </p:nvSpPr>
-        <p:spPr>
-          <a:xfrm>
-            <a:off x="682328" y="2057400"/>
-            <a:ext cx="3194943" cy="3811588"/>
-          </a:xfrm>
-        </p:spPr>
-        <p:txBody>
-          <a:bodyPr/>
-          <a:lstStyle>
-            <a:lvl1pPr marL="0" indent="0">
-              <a:buNone/>
-              <a:defRPr sz="1600"/>
-            </a:lvl1pPr>
-            <a:lvl2pPr marL="457200" indent="0">
-              <a:buNone/>
-              <a:defRPr sz="1400"/>
-            </a:lvl2pPr>
-            <a:lvl3pPr marL="914400" indent="0">
-              <a:buNone/>
-              <a:defRPr sz="1200"/>
-            </a:lvl3pPr>
-            <a:lvl4pPr marL="1371600" indent="0">
-              <a:buNone/>
-              <a:defRPr sz="1000"/>
-            </a:lvl4pPr>
-            <a:lvl5pPr marL="1828800" indent="0">
-              <a:buNone/>
-              <a:defRPr sz="1000"/>
-            </a:lvl5pPr>
-            <a:lvl6pPr marL="2286000" indent="0">
-              <a:buNone/>
-              <a:defRPr sz="1000"/>
-            </a:lvl6pPr>
-            <a:lvl7pPr marL="2743200" indent="0">
-              <a:buNone/>
-              <a:defRPr sz="1000"/>
-            </a:lvl7pPr>
-            <a:lvl8pPr marL="3200400" indent="0">
-              <a:buNone/>
-              <a:defRPr sz="1000"/>
-            </a:lvl8pPr>
-            <a:lvl9pPr marL="3657600" indent="0">
-              <a:buNone/>
-              <a:defRPr sz="1000"/>
-            </a:lvl9pPr>
-          </a:lstStyle>
-          <a:p>
-            <a:pPr lvl="0"/>
-            <a:r>
-              <a:rPr lang="de-DE"/>
-              <a:t>Textmasterformat bearbeiten</a:t>
-            </a:r>
-          </a:p>
-        </p:txBody>
-      </p:sp>
-      <p:sp>
-        <p:nvSpPr>
-          <p:cNvPr id="5" name="Date Placeholder 4"/>
-          <p:cNvSpPr>
-            <a:spLocks noGrp="1"/>
-          </p:cNvSpPr>
-          <p:nvPr>
-            <p:ph type="dt" sz="half" idx="10"/>
-          </p:nvPr>
-        </p:nvSpPr>
-        <p:spPr/>
-        <p:txBody>
-          <a:bodyPr/>
-          <a:lstStyle/>
-          <a:p>
-            <a:fld id="{1C7BCFF7-932D-407A-805A-CBD1D70E2BAC}" type="datetime1">
-              <a:rPr lang="de-DE" smtClean="0"/>
-              <a:t>30.09.2016</a:t>
-            </a:fld>
-            <a:endParaRPr lang="de-DE"/>
-          </a:p>
-        </p:txBody>
-      </p:sp>
-      <p:sp>
-        <p:nvSpPr>
-          <p:cNvPr id="6" name="Footer Placeholder 5"/>
-          <p:cNvSpPr>
-            <a:spLocks noGrp="1"/>
-          </p:cNvSpPr>
-          <p:nvPr>
-            <p:ph type="ftr" sz="quarter" idx="11"/>
-          </p:nvPr>
-        </p:nvSpPr>
-        <p:spPr/>
-        <p:txBody>
-          <a:bodyPr/>
-          <a:lstStyle/>
-          <a:p>
-            <a:r>
-              <a:rPr lang="de-DE"/>
-              <a:t>JAuswertung - http://www.dennismueller.de</a:t>
-            </a:r>
-          </a:p>
-        </p:txBody>
-      </p:sp>
-      <p:sp>
-        <p:nvSpPr>
-          <p:cNvPr id="7" name="Slide Number Placeholder 6"/>
-          <p:cNvSpPr>
-            <a:spLocks noGrp="1"/>
-          </p:cNvSpPr>
-          <p:nvPr>
-            <p:ph type="sldNum" sz="quarter" idx="12"/>
-          </p:nvPr>
-        </p:nvSpPr>
-        <p:spPr/>
-        <p:txBody>
-          <a:bodyPr/>
-          <a:lstStyle/>
-          <a:p>
-            <a:fld id="{EEE0876F-90B3-4061-BC12-CB6B51B39D72}" type="slidenum">
-              <a:rPr lang="de-DE" smtClean="0"/>
-              <a:t>‹Nr.›</a:t>
-            </a:fld>
-            <a:endParaRPr lang="de-DE"/>
-          </a:p>
-        </p:txBody>
-      </p:sp>
-    </p:spTree>
-    <p:extLst>
-      <p:ext uri="{BB962C8B-B14F-4D97-AF65-F5344CB8AC3E}">
-        <p14:creationId xmlns:p14="http://schemas.microsoft.com/office/powerpoint/2010/main" val="1939581810"/>
-      </p:ext>
-    </p:extLst>
-  </p:cSld>
-  <p:clrMapOvr>
-    <a:masterClrMapping/>
-  </p:clrMapOvr>
-</p:sldLayout>
-</file>
-
-<file path=ppt/slideLayouts/slideLayout9.xml><?xml version="1.0" encoding="utf-8"?>
-<p:sldLayout xmlns:a="http://schemas.openxmlformats.org/drawingml/2006/main" xmlns:r="http://schemas.openxmlformats.org/officeDocument/2006/relationships" xmlns:p="http://schemas.openxmlformats.org/presentationml/2006/main" type="picTx" preserve="1">
-  <p:cSld name="Bild mit Überschrift">
-    <p:spTree>
-      <p:nvGrpSpPr>
-        <p:cNvPr id="1" name=""/>
-        <p:cNvGrpSpPr/>
-        <p:nvPr/>
-      </p:nvGrpSpPr>
-      <p:grpSpPr>
-        <a:xfrm>
-          <a:off x="0" y="0"/>
-          <a:ext cx="0" cy="0"/>
-          <a:chOff x="0" y="0"/>
-          <a:chExt cx="0" cy="0"/>
-        </a:xfrm>
-      </p:grpSpPr>
-      <p:sp>
-        <p:nvSpPr>
-          <p:cNvPr id="2" name="Title 1"/>
-          <p:cNvSpPr>
-            <a:spLocks noGrp="1"/>
-          </p:cNvSpPr>
-          <p:nvPr>
-            <p:ph type="title"/>
-          </p:nvPr>
-        </p:nvSpPr>
-        <p:spPr>
-          <a:xfrm>
-            <a:off x="682328" y="457200"/>
-            <a:ext cx="3194943" cy="1600200"/>
-          </a:xfrm>
-        </p:spPr>
-        <p:txBody>
-          <a:bodyPr anchor="b"/>
-          <a:lstStyle>
-            <a:lvl1pPr>
-              <a:defRPr sz="3200"/>
-            </a:lvl1pPr>
-          </a:lstStyle>
-          <a:p>
-            <a:r>
-              <a:rPr lang="de-DE"/>
-              <a:t>Titelmasterformat durch Klicken bearbeiten</a:t>
-            </a:r>
-            <a:endParaRPr lang="en-US" dirty="0"/>
-          </a:p>
-        </p:txBody>
-      </p:sp>
-      <p:sp>
-        <p:nvSpPr>
-          <p:cNvPr id="3" name="Picture Placeholder 2"/>
-          <p:cNvSpPr>
-            <a:spLocks noGrp="1" noChangeAspect="1"/>
-          </p:cNvSpPr>
-          <p:nvPr>
-            <p:ph type="pic" idx="1"/>
-          </p:nvPr>
-        </p:nvSpPr>
-        <p:spPr>
-          <a:xfrm>
-            <a:off x="4211340" y="987427"/>
-            <a:ext cx="5014913" cy="4873625"/>
-          </a:xfrm>
-        </p:spPr>
-        <p:txBody>
-          <a:bodyPr anchor="t"/>
-          <a:lstStyle>
-            <a:lvl1pPr marL="0" indent="0">
-              <a:buNone/>
-              <a:defRPr sz="3200"/>
-            </a:lvl1pPr>
-            <a:lvl2pPr marL="457200" indent="0">
-              <a:buNone/>
-              <a:defRPr sz="2800"/>
-            </a:lvl2pPr>
-            <a:lvl3pPr marL="914400" indent="0">
-              <a:buNone/>
-              <a:defRPr sz="2400"/>
-            </a:lvl3pPr>
-            <a:lvl4pPr marL="1371600" indent="0">
-              <a:buNone/>
-              <a:defRPr sz="2000"/>
-            </a:lvl4pPr>
-            <a:lvl5pPr marL="1828800" indent="0">
-              <a:buNone/>
-              <a:defRPr sz="2000"/>
-            </a:lvl5pPr>
-            <a:lvl6pPr marL="2286000" indent="0">
-              <a:buNone/>
-              <a:defRPr sz="2000"/>
-            </a:lvl6pPr>
-            <a:lvl7pPr marL="2743200" indent="0">
-              <a:buNone/>
-              <a:defRPr sz="2000"/>
-            </a:lvl7pPr>
-            <a:lvl8pPr marL="3200400" indent="0">
-              <a:buNone/>
-              <a:defRPr sz="2000"/>
-            </a:lvl8pPr>
-            <a:lvl9pPr marL="3657600" indent="0">
-              <a:buNone/>
-              <a:defRPr sz="2000"/>
-            </a:lvl9pPr>
-          </a:lstStyle>
-          <a:p>
-            <a:r>
-              <a:rPr lang="de-DE"/>
-              <a:t>Bild durch Klicken auf Symbol hinzufügen</a:t>
-            </a:r>
-            <a:endParaRPr lang="en-US" dirty="0"/>
-          </a:p>
-        </p:txBody>
-      </p:sp>
-      <p:sp>
-        <p:nvSpPr>
-          <p:cNvPr id="4" name="Text Placeholder 3"/>
-          <p:cNvSpPr>
-            <a:spLocks noGrp="1"/>
-          </p:cNvSpPr>
-          <p:nvPr>
-            <p:ph type="body" sz="half" idx="2"/>
-          </p:nvPr>
-        </p:nvSpPr>
-        <p:spPr>
-          <a:xfrm>
-            <a:off x="682328" y="2057400"/>
-            <a:ext cx="3194943" cy="3811588"/>
-          </a:xfrm>
-        </p:spPr>
-        <p:txBody>
-          <a:bodyPr/>
-          <a:lstStyle>
-            <a:lvl1pPr marL="0" indent="0">
-              <a:buNone/>
-              <a:defRPr sz="1600"/>
-            </a:lvl1pPr>
-            <a:lvl2pPr marL="457200" indent="0">
-              <a:buNone/>
-              <a:defRPr sz="1400"/>
-            </a:lvl2pPr>
-            <a:lvl3pPr marL="914400" indent="0">
-              <a:buNone/>
-              <a:defRPr sz="1200"/>
-            </a:lvl3pPr>
-            <a:lvl4pPr marL="1371600" indent="0">
-              <a:buNone/>
-              <a:defRPr sz="1000"/>
-            </a:lvl4pPr>
-            <a:lvl5pPr marL="1828800" indent="0">
-              <a:buNone/>
-              <a:defRPr sz="1000"/>
-            </a:lvl5pPr>
-            <a:lvl6pPr marL="2286000" indent="0">
-              <a:buNone/>
-              <a:defRPr sz="1000"/>
-            </a:lvl6pPr>
-            <a:lvl7pPr marL="2743200" indent="0">
-              <a:buNone/>
-              <a:defRPr sz="1000"/>
-            </a:lvl7pPr>
-            <a:lvl8pPr marL="3200400" indent="0">
-              <a:buNone/>
-              <a:defRPr sz="1000"/>
-            </a:lvl8pPr>
-            <a:lvl9pPr marL="3657600" indent="0">
-              <a:buNone/>
-              <a:defRPr sz="1000"/>
-            </a:lvl9pPr>
-          </a:lstStyle>
-          <a:p>
-            <a:pPr lvl="0"/>
-            <a:r>
-              <a:rPr lang="de-DE"/>
-              <a:t>Textmasterformat bearbeiten</a:t>
-            </a:r>
-          </a:p>
-        </p:txBody>
-      </p:sp>
-      <p:sp>
-        <p:nvSpPr>
-          <p:cNvPr id="5" name="Date Placeholder 4"/>
-          <p:cNvSpPr>
-            <a:spLocks noGrp="1"/>
-          </p:cNvSpPr>
-          <p:nvPr>
-            <p:ph type="dt" sz="half" idx="10"/>
-          </p:nvPr>
-        </p:nvSpPr>
-        <p:spPr/>
-        <p:txBody>
-          <a:bodyPr/>
-          <a:lstStyle/>
-          <a:p>
-            <a:fld id="{3302962F-72BE-461E-8C5A-F1203F342778}" type="datetime1">
-              <a:rPr lang="de-DE" smtClean="0"/>
-              <a:t>30.09.2016</a:t>
-            </a:fld>
-            <a:endParaRPr lang="de-DE"/>
-          </a:p>
-        </p:txBody>
-      </p:sp>
-      <p:sp>
-        <p:nvSpPr>
-          <p:cNvPr id="6" name="Footer Placeholder 5"/>
-          <p:cNvSpPr>
-            <a:spLocks noGrp="1"/>
-          </p:cNvSpPr>
-          <p:nvPr>
-            <p:ph type="ftr" sz="quarter" idx="11"/>
-          </p:nvPr>
-        </p:nvSpPr>
-        <p:spPr/>
-        <p:txBody>
-          <a:bodyPr/>
-          <a:lstStyle/>
-          <a:p>
-            <a:r>
-              <a:rPr lang="de-DE"/>
-              <a:t>JAuswertung - http://www.dennismueller.de</a:t>
-            </a:r>
-          </a:p>
-        </p:txBody>
-      </p:sp>
-      <p:sp>
-        <p:nvSpPr>
-          <p:cNvPr id="7" name="Slide Number Placeholder 6"/>
-          <p:cNvSpPr>
-            <a:spLocks noGrp="1"/>
-          </p:cNvSpPr>
-          <p:nvPr>
-            <p:ph type="sldNum" sz="quarter" idx="12"/>
-          </p:nvPr>
-        </p:nvSpPr>
-        <p:spPr/>
-        <p:txBody>
-          <a:bodyPr/>
-          <a:lstStyle/>
-          <a:p>
-            <a:fld id="{EEE0876F-90B3-4061-BC12-CB6B51B39D72}" type="slidenum">
-              <a:rPr lang="de-DE" smtClean="0"/>
-              <a:t>‹Nr.›</a:t>
-            </a:fld>
-            <a:endParaRPr lang="de-DE"/>
-          </a:p>
-        </p:txBody>
-      </p:sp>
-    </p:spTree>
-    <p:extLst>
-      <p:ext uri="{BB962C8B-B14F-4D97-AF65-F5344CB8AC3E}">
-        <p14:creationId xmlns:p14="http://schemas.microsoft.com/office/powerpoint/2010/main" val="3197448021"/>
       </p:ext>
     </p:extLst>
   </p:cSld>
@@ -3245,6 +2370,9 @@
           <a:prstGeom prst="rect">
             <a:avLst/>
           </a:prstGeom>
+          <a:solidFill>
+            <a:srgbClr val="0077BB"/>
+          </a:solidFill>
           <a:ln>
             <a:noFill/>
           </a:ln>
@@ -3275,7 +2403,7 @@
           <a:lstStyle/>
           <a:p>
             <a:pPr algn="ctr"/>
-            <a:endParaRPr lang="de-DE" sz="1463"/>
+            <a:endParaRPr lang="de-DE" sz="1463" dirty="0"/>
           </a:p>
         </p:txBody>
       </p:sp>
@@ -3409,7 +2537,7 @@
           <a:p>
             <a:fld id="{EA470E07-FC19-4D7E-9DDD-93385FB6B6BB}" type="datetime1">
               <a:rPr lang="de-DE" smtClean="0"/>
-              <a:t>30.09.2016</a:t>
+              <a:t>30.01.2022</a:t>
             </a:fld>
             <a:endParaRPr lang="de-DE"/>
           </a:p>
@@ -3449,8 +2577,8 @@
           </a:lstStyle>
           <a:p>
             <a:r>
-              <a:rPr lang="de-DE"/>
-              <a:t>JAuswertung - http://www.dennismueller.de</a:t>
+              <a:rPr lang="de-DE" dirty="0"/>
+              <a:t>JAuswertung - https://www.dennisfabri.de</a:t>
             </a:r>
           </a:p>
         </p:txBody>
@@ -3512,10 +2640,6 @@
     <p:sldLayoutId id="2147483665" r:id="rId5"/>
     <p:sldLayoutId id="2147483666" r:id="rId6"/>
     <p:sldLayoutId id="2147483667" r:id="rId7"/>
-    <p:sldLayoutId id="2147483668" r:id="rId8"/>
-    <p:sldLayoutId id="2147483669" r:id="rId9"/>
-    <p:sldLayoutId id="2147483670" r:id="rId10"/>
-    <p:sldLayoutId id="2147483671" r:id="rId11"/>
   </p:sldLayoutIdLst>
   <p:hf hdr="0"/>
   <p:txStyles>
@@ -4019,7 +3143,7 @@
           <a:p>
             <a:fld id="{84D0BD13-4ACA-4BAA-B97E-058E5C042394}" type="datetime1">
               <a:rPr lang="de-DE" smtClean="0"/>
-              <a:t>30.09.2016</a:t>
+              <a:t>30.01.2022</a:t>
             </a:fld>
             <a:endParaRPr lang="de-DE" dirty="0"/>
           </a:p>
@@ -4137,6 +3261,9 @@
           <a:prstGeom prst="rect">
             <a:avLst/>
           </a:prstGeom>
+          <a:solidFill>
+            <a:srgbClr val="0077BB"/>
+          </a:solidFill>
         </p:spPr>
         <p:style>
           <a:lnRef idx="2">
@@ -4180,6 +3307,11 @@
           <a:prstGeom prst="roundRect">
             <a:avLst/>
           </a:prstGeom>
+          <a:ln>
+            <a:solidFill>
+              <a:srgbClr val="0077BB"/>
+            </a:solidFill>
+          </a:ln>
         </p:spPr>
         <p:style>
           <a:lnRef idx="2">
@@ -4221,6 +3353,9 @@
           <a:prstGeom prst="rect">
             <a:avLst/>
           </a:prstGeom>
+          <a:solidFill>
+            <a:srgbClr val="0077BB"/>
+          </a:solidFill>
         </p:spPr>
         <p:style>
           <a:lnRef idx="2">
@@ -4268,6 +3403,9 @@
             <a:avLst/>
           </a:prstGeom>
           <a:ln w="25400">
+            <a:solidFill>
+              <a:srgbClr val="0077BB"/>
+            </a:solidFill>
             <a:tailEnd type="arrow"/>
           </a:ln>
         </p:spPr>
@@ -4304,6 +3442,9 @@
             <a:avLst/>
           </a:prstGeom>
           <a:ln w="25400">
+            <a:solidFill>
+              <a:srgbClr val="0077BB"/>
+            </a:solidFill>
             <a:tailEnd type="arrow"/>
           </a:ln>
         </p:spPr>
@@ -4336,6 +3477,9 @@
           <a:prstGeom prst="rect">
             <a:avLst/>
           </a:prstGeom>
+          <a:solidFill>
+            <a:srgbClr val="0077BB"/>
+          </a:solidFill>
         </p:spPr>
         <p:style>
           <a:lnRef idx="2">
@@ -4383,6 +3527,9 @@
             <a:avLst/>
           </a:prstGeom>
           <a:ln w="25400">
+            <a:solidFill>
+              <a:srgbClr val="0077BB"/>
+            </a:solidFill>
             <a:tailEnd type="arrow"/>
           </a:ln>
         </p:spPr>
@@ -4415,6 +3562,11 @@
           <a:prstGeom prst="roundRect">
             <a:avLst/>
           </a:prstGeom>
+          <a:ln>
+            <a:solidFill>
+              <a:srgbClr val="0077BB"/>
+            </a:solidFill>
+          </a:ln>
         </p:spPr>
         <p:style>
           <a:lnRef idx="2">
@@ -4460,6 +3612,9 @@
             <a:avLst/>
           </a:prstGeom>
           <a:ln w="25400">
+            <a:solidFill>
+              <a:srgbClr val="0077BB"/>
+            </a:solidFill>
             <a:tailEnd type="arrow"/>
           </a:ln>
         </p:spPr>
@@ -4516,7 +3671,7 @@
         <p:spPr>
           <a:xfrm>
             <a:off x="5547474" y="2532064"/>
-            <a:ext cx="3478356" cy="969496"/>
+            <a:ext cx="3478356" cy="923330"/>
           </a:xfrm>
           <a:prstGeom prst="rect">
             <a:avLst/>
@@ -4536,16 +3691,12 @@
           </a:p>
           <a:p>
             <a:r>
+              <a:rPr lang="de-DE"/>
+              <a:t>RS232 (COM-Port</a:t>
+            </a:r>
+            <a:r>
               <a:rPr lang="de-DE" dirty="0"/>
-              <a:t>RS232 (</a:t>
-            </a:r>
-            <a:r>
-              <a:rPr lang="de-DE" dirty="0" err="1"/>
-              <a:t>Com</a:t>
-            </a:r>
-            <a:r>
-              <a:rPr lang="de-DE" dirty="0"/>
-              <a:t>-Port)</a:t>
+              <a:t>)</a:t>
             </a:r>
           </a:p>
         </p:txBody>
@@ -4654,7 +3805,7 @@
           <a:p>
             <a:fld id="{2F8446D7-C1EA-4EF1-A081-F5A5738A012A}" type="datetime1">
               <a:rPr lang="de-DE" smtClean="0"/>
-              <a:t>30.09.2016</a:t>
+              <a:t>30.01.2022</a:t>
             </a:fld>
             <a:endParaRPr lang="de-DE"/>
           </a:p>
@@ -4802,7 +3953,7 @@
           <a:p>
             <a:fld id="{A8E64926-190C-46A1-94F6-363B8DFD5A21}" type="datetime1">
               <a:rPr lang="de-DE" smtClean="0"/>
-              <a:t>30.09.2016</a:t>
+              <a:t>30.01.2022</a:t>
             </a:fld>
             <a:endParaRPr lang="de-DE" dirty="0"/>
           </a:p>
@@ -4957,7 +4108,7 @@
           <a:p>
             <a:fld id="{2392D132-DF27-4806-BBAD-C59B1588EE80}" type="datetime1">
               <a:rPr lang="de-DE" smtClean="0"/>
-              <a:t>30.09.2016</a:t>
+              <a:t>30.01.2022</a:t>
             </a:fld>
             <a:endParaRPr lang="de-DE" dirty="0"/>
           </a:p>
@@ -5112,7 +4263,7 @@
           <a:p>
             <a:fld id="{63D47E83-2A63-447D-B9B4-3141F2FD14A2}" type="datetime1">
               <a:rPr lang="de-DE" smtClean="0"/>
-              <a:t>30.09.2016</a:t>
+              <a:t>30.01.2022</a:t>
             </a:fld>
             <a:endParaRPr lang="de-DE" dirty="0"/>
           </a:p>
@@ -5288,7 +4439,7 @@
           <a:p>
             <a:fld id="{A1C04249-D550-4C17-96C9-18BE5F78FF0C}" type="datetime1">
               <a:rPr lang="de-DE" smtClean="0"/>
-              <a:t>30.09.2016</a:t>
+              <a:t>30.01.2022</a:t>
             </a:fld>
             <a:endParaRPr lang="de-DE" dirty="0"/>
           </a:p>
@@ -5461,7 +4612,7 @@
           <a:p>
             <a:fld id="{52C970FB-03B9-47E3-B8B9-D1D667F86FA7}" type="datetime1">
               <a:rPr lang="de-DE" smtClean="0"/>
-              <a:t>30.09.2016</a:t>
+              <a:t>30.01.2022</a:t>
             </a:fld>
             <a:endParaRPr lang="de-DE" dirty="0"/>
           </a:p>
@@ -5617,7 +4768,7 @@
           <a:p>
             <a:fld id="{BC0666DB-445F-4CE9-8071-AEA9A1CD82CC}" type="datetime1">
               <a:rPr lang="de-DE" smtClean="0"/>
-              <a:t>30.09.2016</a:t>
+              <a:t>30.01.2022</a:t>
             </a:fld>
             <a:endParaRPr lang="de-DE" dirty="0"/>
           </a:p>
@@ -5811,7 +4962,7 @@
           <a:p>
             <a:fld id="{B44513D1-DA3C-47ED-94CF-F56EF76CE254}" type="datetime1">
               <a:rPr lang="de-DE" smtClean="0"/>
-              <a:t>30.09.2016</a:t>
+              <a:t>30.01.2022</a:t>
             </a:fld>
             <a:endParaRPr lang="de-DE" dirty="0"/>
           </a:p>
